--- a/docs/template.pptx
+++ b/docs/template.pptx
@@ -199,7 +199,7 @@
           <a:p>
             <a:fld id="{498EBC27-3C92-DF40-81E2-50E2258292AA}" type="datetimeFigureOut">
               <a:rPr lang="zh-CN" altLang="en-US"/>
-              <a:t>2023/11/7</a:t>
+              <a:t>2024/1/15</a:t>
             </a:fld>
             <a:endParaRPr kumimoji="1" lang="zh-CN" altLang="en-US"/>
           </a:p>
@@ -1091,7 +1091,7 @@
           <a:p>
             <a:fld id="{3853FCE5-64A3-3F48-8FE4-AFF90259B521}" type="datetimeFigureOut">
               <a:rPr kumimoji="1" lang="zh-CN" altLang="en-US" smtClean="0"/>
-              <a:t>2023/11/7</a:t>
+              <a:t>2024/1/15</a:t>
             </a:fld>
             <a:endParaRPr kumimoji="1" lang="zh-CN" altLang="en-US"/>
           </a:p>
@@ -1261,7 +1261,7 @@
           <a:p>
             <a:fld id="{3853FCE5-64A3-3F48-8FE4-AFF90259B521}" type="datetimeFigureOut">
               <a:rPr kumimoji="1" lang="zh-CN" altLang="en-US" smtClean="0"/>
-              <a:t>2023/11/7</a:t>
+              <a:t>2024/1/15</a:t>
             </a:fld>
             <a:endParaRPr kumimoji="1" lang="zh-CN" altLang="en-US"/>
           </a:p>
@@ -1441,7 +1441,7 @@
           <a:p>
             <a:fld id="{3853FCE5-64A3-3F48-8FE4-AFF90259B521}" type="datetimeFigureOut">
               <a:rPr kumimoji="1" lang="zh-CN" altLang="en-US" smtClean="0"/>
-              <a:t>2023/11/7</a:t>
+              <a:t>2024/1/15</a:t>
             </a:fld>
             <a:endParaRPr kumimoji="1" lang="zh-CN" altLang="en-US"/>
           </a:p>
@@ -1611,7 +1611,7 @@
           <a:p>
             <a:fld id="{3853FCE5-64A3-3F48-8FE4-AFF90259B521}" type="datetimeFigureOut">
               <a:rPr kumimoji="1" lang="zh-CN" altLang="en-US" smtClean="0"/>
-              <a:t>2023/11/7</a:t>
+              <a:t>2024/1/15</a:t>
             </a:fld>
             <a:endParaRPr kumimoji="1" lang="zh-CN" altLang="en-US"/>
           </a:p>
@@ -1855,7 +1855,7 @@
           <a:p>
             <a:fld id="{3853FCE5-64A3-3F48-8FE4-AFF90259B521}" type="datetimeFigureOut">
               <a:rPr kumimoji="1" lang="zh-CN" altLang="en-US" smtClean="0"/>
-              <a:t>2023/11/7</a:t>
+              <a:t>2024/1/15</a:t>
             </a:fld>
             <a:endParaRPr kumimoji="1" lang="zh-CN" altLang="en-US"/>
           </a:p>
@@ -2087,7 +2087,7 @@
           <a:p>
             <a:fld id="{3853FCE5-64A3-3F48-8FE4-AFF90259B521}" type="datetimeFigureOut">
               <a:rPr kumimoji="1" lang="zh-CN" altLang="en-US" smtClean="0"/>
-              <a:t>2023/11/7</a:t>
+              <a:t>2024/1/15</a:t>
             </a:fld>
             <a:endParaRPr kumimoji="1" lang="zh-CN" altLang="en-US"/>
           </a:p>
@@ -2454,7 +2454,7 @@
           <a:p>
             <a:fld id="{3853FCE5-64A3-3F48-8FE4-AFF90259B521}" type="datetimeFigureOut">
               <a:rPr kumimoji="1" lang="zh-CN" altLang="en-US" smtClean="0"/>
-              <a:t>2023/11/7</a:t>
+              <a:t>2024/1/15</a:t>
             </a:fld>
             <a:endParaRPr kumimoji="1" lang="zh-CN" altLang="en-US"/>
           </a:p>
@@ -2572,7 +2572,7 @@
           <a:p>
             <a:fld id="{3853FCE5-64A3-3F48-8FE4-AFF90259B521}" type="datetimeFigureOut">
               <a:rPr kumimoji="1" lang="zh-CN" altLang="en-US" smtClean="0"/>
-              <a:t>2023/11/7</a:t>
+              <a:t>2024/1/15</a:t>
             </a:fld>
             <a:endParaRPr kumimoji="1" lang="zh-CN" altLang="en-US"/>
           </a:p>
@@ -2667,7 +2667,7 @@
           <a:p>
             <a:fld id="{3853FCE5-64A3-3F48-8FE4-AFF90259B521}" type="datetimeFigureOut">
               <a:rPr kumimoji="1" lang="zh-CN" altLang="en-US" smtClean="0"/>
-              <a:t>2023/11/7</a:t>
+              <a:t>2024/1/15</a:t>
             </a:fld>
             <a:endParaRPr kumimoji="1" lang="zh-CN" altLang="en-US"/>
           </a:p>
@@ -2944,7 +2944,7 @@
           <a:p>
             <a:fld id="{3853FCE5-64A3-3F48-8FE4-AFF90259B521}" type="datetimeFigureOut">
               <a:rPr kumimoji="1" lang="zh-CN" altLang="en-US" smtClean="0"/>
-              <a:t>2023/11/7</a:t>
+              <a:t>2024/1/15</a:t>
             </a:fld>
             <a:endParaRPr kumimoji="1" lang="zh-CN" altLang="en-US"/>
           </a:p>
@@ -3201,7 +3201,7 @@
           <a:p>
             <a:fld id="{3853FCE5-64A3-3F48-8FE4-AFF90259B521}" type="datetimeFigureOut">
               <a:rPr kumimoji="1" lang="zh-CN" altLang="en-US" smtClean="0"/>
-              <a:t>2023/11/7</a:t>
+              <a:t>2024/1/15</a:t>
             </a:fld>
             <a:endParaRPr kumimoji="1" lang="zh-CN" altLang="en-US"/>
           </a:p>
@@ -3423,7 +3423,7 @@
           <a:p>
             <a:fld id="{3853FCE5-64A3-3F48-8FE4-AFF90259B521}" type="datetimeFigureOut">
               <a:rPr kumimoji="1" lang="zh-CN" altLang="en-US" smtClean="0"/>
-              <a:t>2023/11/7</a:t>
+              <a:t>2024/1/15</a:t>
             </a:fld>
             <a:endParaRPr kumimoji="1" lang="zh-CN" altLang="en-US"/>
           </a:p>
@@ -4206,10 +4206,10 @@
       </p:grpSpPr>
       <p:pic>
         <p:nvPicPr>
-          <p:cNvPr id="3" name="图片 2">
+          <p:cNvPr id="4" name="图片 3">
             <a:extLst>
               <a:ext uri="{FF2B5EF4-FFF2-40B4-BE49-F238E27FC236}">
-                <a16:creationId xmlns:a16="http://schemas.microsoft.com/office/drawing/2014/main" id="{CF53C4AE-6F27-AEBD-E363-20AE1FB76054}"/>
+                <a16:creationId xmlns:a16="http://schemas.microsoft.com/office/drawing/2014/main" id="{77306820-28B9-787E-1B05-D31CC74AEC03}"/>
               </a:ext>
             </a:extLst>
           </p:cNvPr>

--- a/docs/template.pptx
+++ b/docs/template.pptx
@@ -199,7 +199,7 @@
           <a:p>
             <a:fld id="{498EBC27-3C92-DF40-81E2-50E2258292AA}" type="datetimeFigureOut">
               <a:rPr lang="zh-CN" altLang="en-US"/>
-              <a:t>2024/1/15</a:t>
+              <a:t>2024/5/3</a:t>
             </a:fld>
             <a:endParaRPr kumimoji="1" lang="zh-CN" altLang="en-US"/>
           </a:p>
@@ -1091,7 +1091,7 @@
           <a:p>
             <a:fld id="{3853FCE5-64A3-3F48-8FE4-AFF90259B521}" type="datetimeFigureOut">
               <a:rPr kumimoji="1" lang="zh-CN" altLang="en-US" smtClean="0"/>
-              <a:t>2024/1/15</a:t>
+              <a:t>2024/5/3</a:t>
             </a:fld>
             <a:endParaRPr kumimoji="1" lang="zh-CN" altLang="en-US"/>
           </a:p>
@@ -1261,7 +1261,7 @@
           <a:p>
             <a:fld id="{3853FCE5-64A3-3F48-8FE4-AFF90259B521}" type="datetimeFigureOut">
               <a:rPr kumimoji="1" lang="zh-CN" altLang="en-US" smtClean="0"/>
-              <a:t>2024/1/15</a:t>
+              <a:t>2024/5/3</a:t>
             </a:fld>
             <a:endParaRPr kumimoji="1" lang="zh-CN" altLang="en-US"/>
           </a:p>
@@ -1441,7 +1441,7 @@
           <a:p>
             <a:fld id="{3853FCE5-64A3-3F48-8FE4-AFF90259B521}" type="datetimeFigureOut">
               <a:rPr kumimoji="1" lang="zh-CN" altLang="en-US" smtClean="0"/>
-              <a:t>2024/1/15</a:t>
+              <a:t>2024/5/3</a:t>
             </a:fld>
             <a:endParaRPr kumimoji="1" lang="zh-CN" altLang="en-US"/>
           </a:p>
@@ -1611,7 +1611,7 @@
           <a:p>
             <a:fld id="{3853FCE5-64A3-3F48-8FE4-AFF90259B521}" type="datetimeFigureOut">
               <a:rPr kumimoji="1" lang="zh-CN" altLang="en-US" smtClean="0"/>
-              <a:t>2024/1/15</a:t>
+              <a:t>2024/5/3</a:t>
             </a:fld>
             <a:endParaRPr kumimoji="1" lang="zh-CN" altLang="en-US"/>
           </a:p>
@@ -1855,7 +1855,7 @@
           <a:p>
             <a:fld id="{3853FCE5-64A3-3F48-8FE4-AFF90259B521}" type="datetimeFigureOut">
               <a:rPr kumimoji="1" lang="zh-CN" altLang="en-US" smtClean="0"/>
-              <a:t>2024/1/15</a:t>
+              <a:t>2024/5/3</a:t>
             </a:fld>
             <a:endParaRPr kumimoji="1" lang="zh-CN" altLang="en-US"/>
           </a:p>
@@ -2087,7 +2087,7 @@
           <a:p>
             <a:fld id="{3853FCE5-64A3-3F48-8FE4-AFF90259B521}" type="datetimeFigureOut">
               <a:rPr kumimoji="1" lang="zh-CN" altLang="en-US" smtClean="0"/>
-              <a:t>2024/1/15</a:t>
+              <a:t>2024/5/3</a:t>
             </a:fld>
             <a:endParaRPr kumimoji="1" lang="zh-CN" altLang="en-US"/>
           </a:p>
@@ -2454,7 +2454,7 @@
           <a:p>
             <a:fld id="{3853FCE5-64A3-3F48-8FE4-AFF90259B521}" type="datetimeFigureOut">
               <a:rPr kumimoji="1" lang="zh-CN" altLang="en-US" smtClean="0"/>
-              <a:t>2024/1/15</a:t>
+              <a:t>2024/5/3</a:t>
             </a:fld>
             <a:endParaRPr kumimoji="1" lang="zh-CN" altLang="en-US"/>
           </a:p>
@@ -2572,7 +2572,7 @@
           <a:p>
             <a:fld id="{3853FCE5-64A3-3F48-8FE4-AFF90259B521}" type="datetimeFigureOut">
               <a:rPr kumimoji="1" lang="zh-CN" altLang="en-US" smtClean="0"/>
-              <a:t>2024/1/15</a:t>
+              <a:t>2024/5/3</a:t>
             </a:fld>
             <a:endParaRPr kumimoji="1" lang="zh-CN" altLang="en-US"/>
           </a:p>
@@ -2667,7 +2667,7 @@
           <a:p>
             <a:fld id="{3853FCE5-64A3-3F48-8FE4-AFF90259B521}" type="datetimeFigureOut">
               <a:rPr kumimoji="1" lang="zh-CN" altLang="en-US" smtClean="0"/>
-              <a:t>2024/1/15</a:t>
+              <a:t>2024/5/3</a:t>
             </a:fld>
             <a:endParaRPr kumimoji="1" lang="zh-CN" altLang="en-US"/>
           </a:p>
@@ -2944,7 +2944,7 @@
           <a:p>
             <a:fld id="{3853FCE5-64A3-3F48-8FE4-AFF90259B521}" type="datetimeFigureOut">
               <a:rPr kumimoji="1" lang="zh-CN" altLang="en-US" smtClean="0"/>
-              <a:t>2024/1/15</a:t>
+              <a:t>2024/5/3</a:t>
             </a:fld>
             <a:endParaRPr kumimoji="1" lang="zh-CN" altLang="en-US"/>
           </a:p>
@@ -3201,7 +3201,7 @@
           <a:p>
             <a:fld id="{3853FCE5-64A3-3F48-8FE4-AFF90259B521}" type="datetimeFigureOut">
               <a:rPr kumimoji="1" lang="zh-CN" altLang="en-US" smtClean="0"/>
-              <a:t>2024/1/15</a:t>
+              <a:t>2024/5/3</a:t>
             </a:fld>
             <a:endParaRPr kumimoji="1" lang="zh-CN" altLang="en-US"/>
           </a:p>
@@ -3423,7 +3423,7 @@
           <a:p>
             <a:fld id="{3853FCE5-64A3-3F48-8FE4-AFF90259B521}" type="datetimeFigureOut">
               <a:rPr kumimoji="1" lang="zh-CN" altLang="en-US" smtClean="0"/>
-              <a:t>2024/1/15</a:t>
+              <a:t>2024/5/3</a:t>
             </a:fld>
             <a:endParaRPr kumimoji="1" lang="zh-CN" altLang="en-US"/>
           </a:p>
@@ -3881,14 +3881,14 @@
           <p:nvPr>
             <p:extLst>
               <p:ext uri="{D42A27DB-BD31-4B8C-83A1-F6EECF244321}">
-                <p14:modId xmlns:p14="http://schemas.microsoft.com/office/powerpoint/2010/main" val="1031163061"/>
+                <p14:modId xmlns:p14="http://schemas.microsoft.com/office/powerpoint/2010/main" val="1225933784"/>
               </p:ext>
             </p:extLst>
           </p:nvPr>
         </p:nvGraphicFramePr>
         <p:xfrm>
-          <a:off x="1840523" y="1630680"/>
-          <a:ext cx="5545015" cy="3550918"/>
+          <a:off x="1840523" y="1630679"/>
+          <a:ext cx="5545015" cy="3465426"/>
         </p:xfrm>
         <a:graphic>
           <a:graphicData uri="http://schemas.openxmlformats.org/drawingml/2006/table">
@@ -3912,7 +3912,7 @@
                   </a:extLst>
                 </a:gridCol>
               </a:tblGrid>
-              <a:tr h="507274">
+              <a:tr h="577571">
                 <a:tc gridSpan="2">
                   <a:txBody>
                     <a:bodyPr/>
@@ -3947,7 +3947,7 @@
                   </a:ext>
                 </a:extLst>
               </a:tr>
-              <a:tr h="507274">
+              <a:tr h="577571">
                 <a:tc>
                   <a:txBody>
                     <a:bodyPr/>
@@ -3983,7 +3983,7 @@
                   </a:ext>
                 </a:extLst>
               </a:tr>
-              <a:tr h="507274">
+              <a:tr h="577571">
                 <a:tc>
                   <a:txBody>
                     <a:bodyPr/>
@@ -4019,7 +4019,7 @@
                   </a:ext>
                 </a:extLst>
               </a:tr>
-              <a:tr h="507274">
+              <a:tr h="577571">
                 <a:tc>
                   <a:txBody>
                     <a:bodyPr/>
@@ -4059,46 +4059,7 @@
                   </a:ext>
                 </a:extLst>
               </a:tr>
-              <a:tr h="507274">
-                <a:tc>
-                  <a:txBody>
-                    <a:bodyPr/>
-                    <a:lstStyle/>
-                    <a:p>
-                      <a:pPr algn="ctr"/>
-                      <a:r>
-                        <a:rPr lang="zh-CN" altLang="en-US" sz="2400" b="1" dirty="0"/>
-                        <a:t>场务</a:t>
-                      </a:r>
-                    </a:p>
-                  </a:txBody>
-                  <a:tcPr anchor="ctr"/>
-                </a:tc>
-                <a:tc>
-                  <a:txBody>
-                    <a:bodyPr/>
-                    <a:lstStyle/>
-                    <a:p>
-                      <a:pPr algn="ctr"/>
-                      <a:r>
-                        <a:rPr lang="zh-CN" altLang="de-DE" sz="2400" dirty="0"/>
-                        <a:t>桂述豫</a:t>
-                      </a:r>
-                      <a:r>
-                        <a:rPr lang="zh-CN" altLang="en-US" sz="2400" dirty="0"/>
-                        <a:t> </a:t>
-                      </a:r>
-                    </a:p>
-                  </a:txBody>
-                  <a:tcPr anchor="ctr"/>
-                </a:tc>
-                <a:extLst>
-                  <a:ext uri="{0D108BD9-81ED-4DB2-BD59-A6C34878D82A}">
-                    <a16:rowId xmlns:a16="http://schemas.microsoft.com/office/drawing/2014/main" val="3732121221"/>
-                  </a:ext>
-                </a:extLst>
-              </a:tr>
-              <a:tr h="507274">
+              <a:tr h="577571">
                 <a:tc>
                   <a:txBody>
                     <a:bodyPr/>
@@ -4134,7 +4095,7 @@
                   </a:ext>
                 </a:extLst>
               </a:tr>
-              <a:tr h="507274">
+              <a:tr h="577571">
                 <a:tc>
                   <a:txBody>
                     <a:bodyPr/>

--- a/docs/template.pptx
+++ b/docs/template.pptx
@@ -199,7 +199,7 @@
           <a:p>
             <a:fld id="{498EBC27-3C92-DF40-81E2-50E2258292AA}" type="datetimeFigureOut">
               <a:rPr lang="zh-CN" altLang="en-US"/>
-              <a:t>2024/5/3</a:t>
+              <a:t>2025/2/19</a:t>
             </a:fld>
             <a:endParaRPr kumimoji="1" lang="zh-CN" altLang="en-US"/>
           </a:p>
@@ -1091,7 +1091,7 @@
           <a:p>
             <a:fld id="{3853FCE5-64A3-3F48-8FE4-AFF90259B521}" type="datetimeFigureOut">
               <a:rPr kumimoji="1" lang="zh-CN" altLang="en-US" smtClean="0"/>
-              <a:t>2024/5/3</a:t>
+              <a:t>2025/2/19</a:t>
             </a:fld>
             <a:endParaRPr kumimoji="1" lang="zh-CN" altLang="en-US"/>
           </a:p>
@@ -1261,7 +1261,7 @@
           <a:p>
             <a:fld id="{3853FCE5-64A3-3F48-8FE4-AFF90259B521}" type="datetimeFigureOut">
               <a:rPr kumimoji="1" lang="zh-CN" altLang="en-US" smtClean="0"/>
-              <a:t>2024/5/3</a:t>
+              <a:t>2025/2/19</a:t>
             </a:fld>
             <a:endParaRPr kumimoji="1" lang="zh-CN" altLang="en-US"/>
           </a:p>
@@ -1441,7 +1441,7 @@
           <a:p>
             <a:fld id="{3853FCE5-64A3-3F48-8FE4-AFF90259B521}" type="datetimeFigureOut">
               <a:rPr kumimoji="1" lang="zh-CN" altLang="en-US" smtClean="0"/>
-              <a:t>2024/5/3</a:t>
+              <a:t>2025/2/19</a:t>
             </a:fld>
             <a:endParaRPr kumimoji="1" lang="zh-CN" altLang="en-US"/>
           </a:p>
@@ -1611,7 +1611,7 @@
           <a:p>
             <a:fld id="{3853FCE5-64A3-3F48-8FE4-AFF90259B521}" type="datetimeFigureOut">
               <a:rPr kumimoji="1" lang="zh-CN" altLang="en-US" smtClean="0"/>
-              <a:t>2024/5/3</a:t>
+              <a:t>2025/2/19</a:t>
             </a:fld>
             <a:endParaRPr kumimoji="1" lang="zh-CN" altLang="en-US"/>
           </a:p>
@@ -1855,7 +1855,7 @@
           <a:p>
             <a:fld id="{3853FCE5-64A3-3F48-8FE4-AFF90259B521}" type="datetimeFigureOut">
               <a:rPr kumimoji="1" lang="zh-CN" altLang="en-US" smtClean="0"/>
-              <a:t>2024/5/3</a:t>
+              <a:t>2025/2/19</a:t>
             </a:fld>
             <a:endParaRPr kumimoji="1" lang="zh-CN" altLang="en-US"/>
           </a:p>
@@ -2087,7 +2087,7 @@
           <a:p>
             <a:fld id="{3853FCE5-64A3-3F48-8FE4-AFF90259B521}" type="datetimeFigureOut">
               <a:rPr kumimoji="1" lang="zh-CN" altLang="en-US" smtClean="0"/>
-              <a:t>2024/5/3</a:t>
+              <a:t>2025/2/19</a:t>
             </a:fld>
             <a:endParaRPr kumimoji="1" lang="zh-CN" altLang="en-US"/>
           </a:p>
@@ -2454,7 +2454,7 @@
           <a:p>
             <a:fld id="{3853FCE5-64A3-3F48-8FE4-AFF90259B521}" type="datetimeFigureOut">
               <a:rPr kumimoji="1" lang="zh-CN" altLang="en-US" smtClean="0"/>
-              <a:t>2024/5/3</a:t>
+              <a:t>2025/2/19</a:t>
             </a:fld>
             <a:endParaRPr kumimoji="1" lang="zh-CN" altLang="en-US"/>
           </a:p>
@@ -2572,7 +2572,7 @@
           <a:p>
             <a:fld id="{3853FCE5-64A3-3F48-8FE4-AFF90259B521}" type="datetimeFigureOut">
               <a:rPr kumimoji="1" lang="zh-CN" altLang="en-US" smtClean="0"/>
-              <a:t>2024/5/3</a:t>
+              <a:t>2025/2/19</a:t>
             </a:fld>
             <a:endParaRPr kumimoji="1" lang="zh-CN" altLang="en-US"/>
           </a:p>
@@ -2667,7 +2667,7 @@
           <a:p>
             <a:fld id="{3853FCE5-64A3-3F48-8FE4-AFF90259B521}" type="datetimeFigureOut">
               <a:rPr kumimoji="1" lang="zh-CN" altLang="en-US" smtClean="0"/>
-              <a:t>2024/5/3</a:t>
+              <a:t>2025/2/19</a:t>
             </a:fld>
             <a:endParaRPr kumimoji="1" lang="zh-CN" altLang="en-US"/>
           </a:p>
@@ -2944,7 +2944,7 @@
           <a:p>
             <a:fld id="{3853FCE5-64A3-3F48-8FE4-AFF90259B521}" type="datetimeFigureOut">
               <a:rPr kumimoji="1" lang="zh-CN" altLang="en-US" smtClean="0"/>
-              <a:t>2024/5/3</a:t>
+              <a:t>2025/2/19</a:t>
             </a:fld>
             <a:endParaRPr kumimoji="1" lang="zh-CN" altLang="en-US"/>
           </a:p>
@@ -3201,7 +3201,7 @@
           <a:p>
             <a:fld id="{3853FCE5-64A3-3F48-8FE4-AFF90259B521}" type="datetimeFigureOut">
               <a:rPr kumimoji="1" lang="zh-CN" altLang="en-US" smtClean="0"/>
-              <a:t>2024/5/3</a:t>
+              <a:t>2025/2/19</a:t>
             </a:fld>
             <a:endParaRPr kumimoji="1" lang="zh-CN" altLang="en-US"/>
           </a:p>
@@ -3423,7 +3423,7 @@
           <a:p>
             <a:fld id="{3853FCE5-64A3-3F48-8FE4-AFF90259B521}" type="datetimeFigureOut">
               <a:rPr kumimoji="1" lang="zh-CN" altLang="en-US" smtClean="0"/>
-              <a:t>2024/5/3</a:t>
+              <a:t>2025/2/19</a:t>
             </a:fld>
             <a:endParaRPr kumimoji="1" lang="zh-CN" altLang="en-US"/>
           </a:p>
@@ -4167,10 +4167,10 @@
       </p:grpSpPr>
       <p:pic>
         <p:nvPicPr>
-          <p:cNvPr id="4" name="图片 3">
+          <p:cNvPr id="3" name="图片 2">
             <a:extLst>
               <a:ext uri="{FF2B5EF4-FFF2-40B4-BE49-F238E27FC236}">
-                <a16:creationId xmlns:a16="http://schemas.microsoft.com/office/drawing/2014/main" id="{77306820-28B9-787E-1B05-D31CC74AEC03}"/>
+                <a16:creationId xmlns:a16="http://schemas.microsoft.com/office/drawing/2014/main" id="{80CA28AB-B0E4-A883-949B-BAF2FE253283}"/>
               </a:ext>
             </a:extLst>
           </p:cNvPr>
